--- a/results/Total - wyniki/Total - raport finansowy.pptx
+++ b/results/Total - wyniki/Total - raport finansowy.pptx
@@ -20,6 +20,7 @@
     <p:sldId id="268" r:id="rId19"/>
     <p:sldId id="269" r:id="rId20"/>
     <p:sldId id="270" r:id="rId21"/>
+    <p:sldId id="271" r:id="rId22"/>
   </p:sldIdLst>
   <p:sldSz cx="9144000" cy="6858000" type="screen4x3"/>
   <p:notesSz cx="6858000" cy="9144000"/>
@@ -3385,6 +3386,48 @@
       <p:pic>
         <p:nvPicPr>
           <p:cNvPr id="2" name="Picture 1" descr="plot11.png"/>
+          <p:cNvPicPr>
+            <a:picLocks noChangeAspect="1"/>
+          </p:cNvPicPr>
+          <p:nvPr/>
+        </p:nvPicPr>
+        <p:blipFill>
+          <a:blip r:embed="rId2"/>
+          <a:stretch>
+            <a:fillRect/>
+          </a:stretch>
+        </p:blipFill>
+        <p:spPr>
+          <a:xfrm>
+            <a:off x="0" y="91440"/>
+            <a:ext cx="9601200" cy="6400800"/>
+          </a:xfrm>
+          <a:prstGeom prst="rect">
+            <a:avLst/>
+          </a:prstGeom>
+        </p:spPr>
+      </p:pic>
+    </p:spTree>
+  </p:cSld>
+  <p:clrMapOvr>
+    <a:masterClrMapping/>
+  </p:clrMapOvr>
+</p:sld>
+</file>
+
+<file path=ppt/slides/slide16.xml><?xml version="1.0" encoding="utf-8"?>
+<p:sld xmlns:a="http://schemas.openxmlformats.org/drawingml/2006/main" xmlns:p="http://schemas.openxmlformats.org/presentationml/2006/main" xmlns:r="http://schemas.openxmlformats.org/officeDocument/2006/relationships">
+  <p:cSld>
+    <p:spTree>
+      <p:nvGrpSpPr>
+        <p:cNvPr id="1" name=""/>
+        <p:cNvGrpSpPr/>
+        <p:nvPr/>
+      </p:nvGrpSpPr>
+      <p:grpSpPr/>
+      <p:pic>
+        <p:nvPicPr>
+          <p:cNvPr id="2" name="Picture 1" descr="plot12.png"/>
           <p:cNvPicPr>
             <a:picLocks noChangeAspect="1"/>
           </p:cNvPicPr>

--- a/results/Total - wyniki/Total - raport finansowy.pptx
+++ b/results/Total - wyniki/Total - raport finansowy.pptx
@@ -21,6 +21,9 @@
     <p:sldId id="269" r:id="rId20"/>
     <p:sldId id="270" r:id="rId21"/>
     <p:sldId id="271" r:id="rId22"/>
+    <p:sldId id="272" r:id="rId23"/>
+    <p:sldId id="273" r:id="rId24"/>
+    <p:sldId id="274" r:id="rId25"/>
   </p:sldIdLst>
   <p:sldSz cx="9144000" cy="6858000" type="screen4x3"/>
   <p:notesSz cx="6858000" cy="9144000"/>
@@ -3201,44 +3204,30 @@
         <p:nvPr/>
       </p:nvGrpSpPr>
       <p:grpSpPr/>
-      <p:sp>
-        <p:nvSpPr>
-          <p:cNvPr id="2" name="Title 1"/>
-          <p:cNvSpPr>
-            <a:spLocks noGrp="1"/>
-          </p:cNvSpPr>
-          <p:nvPr>
-            <p:ph type="ctrTitle"/>
-          </p:nvPr>
-        </p:nvSpPr>
-        <p:spPr/>
-        <p:txBody>
-          <a:bodyPr/>
-          <a:lstStyle/>
-          <a:p/>
-        </p:txBody>
-      </p:sp>
-      <p:sp>
-        <p:nvSpPr>
-          <p:cNvPr id="3" name="Subtitle 2"/>
-          <p:cNvSpPr>
-            <a:spLocks noGrp="1"/>
-          </p:cNvSpPr>
-          <p:nvPr>
-            <p:ph type="subTitle" idx="1"/>
-          </p:nvPr>
-        </p:nvSpPr>
-        <p:spPr/>
-        <p:txBody>
-          <a:bodyPr/>
-          <a:lstStyle/>
-          <a:p>
-            <a:r>
-              <a:t>3. Total jako sekwencja miesięcy</a:t>
-            </a:r>
-          </a:p>
-        </p:txBody>
-      </p:sp>
+      <p:pic>
+        <p:nvPicPr>
+          <p:cNvPr id="2" name="Picture 1" descr="plot8.png"/>
+          <p:cNvPicPr>
+            <a:picLocks noChangeAspect="1"/>
+          </p:cNvPicPr>
+          <p:nvPr/>
+        </p:nvPicPr>
+        <p:blipFill>
+          <a:blip r:embed="rId2"/>
+          <a:stretch>
+            <a:fillRect/>
+          </a:stretch>
+        </p:blipFill>
+        <p:spPr>
+          <a:xfrm>
+            <a:off x="1371600" y="0"/>
+            <a:ext cx="6858000" cy="6858000"/>
+          </a:xfrm>
+          <a:prstGeom prst="rect">
+            <a:avLst/>
+          </a:prstGeom>
+        </p:spPr>
+      </p:pic>
     </p:spTree>
   </p:cSld>
   <p:clrMapOvr>
@@ -3257,30 +3246,44 @@
         <p:nvPr/>
       </p:nvGrpSpPr>
       <p:grpSpPr/>
-      <p:pic>
-        <p:nvPicPr>
-          <p:cNvPr id="2" name="Picture 1" descr="plot8.png"/>
-          <p:cNvPicPr>
-            <a:picLocks noChangeAspect="1"/>
-          </p:cNvPicPr>
-          <p:nvPr/>
-        </p:nvPicPr>
-        <p:blipFill>
-          <a:blip r:embed="rId2"/>
-          <a:stretch>
-            <a:fillRect/>
-          </a:stretch>
-        </p:blipFill>
-        <p:spPr>
-          <a:xfrm>
-            <a:off x="0" y="91440"/>
-            <a:ext cx="9601200" cy="6400800"/>
-          </a:xfrm>
-          <a:prstGeom prst="rect">
-            <a:avLst/>
-          </a:prstGeom>
-        </p:spPr>
-      </p:pic>
+      <p:sp>
+        <p:nvSpPr>
+          <p:cNvPr id="2" name="Title 1"/>
+          <p:cNvSpPr>
+            <a:spLocks noGrp="1"/>
+          </p:cNvSpPr>
+          <p:nvPr>
+            <p:ph type="ctrTitle"/>
+          </p:nvPr>
+        </p:nvSpPr>
+        <p:spPr/>
+        <p:txBody>
+          <a:bodyPr/>
+          <a:lstStyle/>
+          <a:p/>
+        </p:txBody>
+      </p:sp>
+      <p:sp>
+        <p:nvSpPr>
+          <p:cNvPr id="3" name="Subtitle 2"/>
+          <p:cNvSpPr>
+            <a:spLocks noGrp="1"/>
+          </p:cNvSpPr>
+          <p:nvPr>
+            <p:ph type="subTitle" idx="1"/>
+          </p:nvPr>
+        </p:nvSpPr>
+        <p:spPr/>
+        <p:txBody>
+          <a:bodyPr/>
+          <a:lstStyle/>
+          <a:p>
+            <a:r>
+              <a:t>3. Total jako sekwencja miesięcy</a:t>
+            </a:r>
+          </a:p>
+        </p:txBody>
+      </p:sp>
     </p:spTree>
   </p:cSld>
   <p:clrMapOvr>
@@ -3428,6 +3431,132 @@
       <p:pic>
         <p:nvPicPr>
           <p:cNvPr id="2" name="Picture 1" descr="plot12.png"/>
+          <p:cNvPicPr>
+            <a:picLocks noChangeAspect="1"/>
+          </p:cNvPicPr>
+          <p:nvPr/>
+        </p:nvPicPr>
+        <p:blipFill>
+          <a:blip r:embed="rId2"/>
+          <a:stretch>
+            <a:fillRect/>
+          </a:stretch>
+        </p:blipFill>
+        <p:spPr>
+          <a:xfrm>
+            <a:off x="0" y="91440"/>
+            <a:ext cx="9601200" cy="6400800"/>
+          </a:xfrm>
+          <a:prstGeom prst="rect">
+            <a:avLst/>
+          </a:prstGeom>
+        </p:spPr>
+      </p:pic>
+    </p:spTree>
+  </p:cSld>
+  <p:clrMapOvr>
+    <a:masterClrMapping/>
+  </p:clrMapOvr>
+</p:sld>
+</file>
+
+<file path=ppt/slides/slide17.xml><?xml version="1.0" encoding="utf-8"?>
+<p:sld xmlns:a="http://schemas.openxmlformats.org/drawingml/2006/main" xmlns:p="http://schemas.openxmlformats.org/presentationml/2006/main" xmlns:r="http://schemas.openxmlformats.org/officeDocument/2006/relationships">
+  <p:cSld>
+    <p:spTree>
+      <p:nvGrpSpPr>
+        <p:cNvPr id="1" name=""/>
+        <p:cNvGrpSpPr/>
+        <p:nvPr/>
+      </p:nvGrpSpPr>
+      <p:grpSpPr/>
+      <p:pic>
+        <p:nvPicPr>
+          <p:cNvPr id="2" name="Picture 1" descr="plot13.png"/>
+          <p:cNvPicPr>
+            <a:picLocks noChangeAspect="1"/>
+          </p:cNvPicPr>
+          <p:nvPr/>
+        </p:nvPicPr>
+        <p:blipFill>
+          <a:blip r:embed="rId2"/>
+          <a:stretch>
+            <a:fillRect/>
+          </a:stretch>
+        </p:blipFill>
+        <p:spPr>
+          <a:xfrm>
+            <a:off x="0" y="91440"/>
+            <a:ext cx="9601200" cy="6400800"/>
+          </a:xfrm>
+          <a:prstGeom prst="rect">
+            <a:avLst/>
+          </a:prstGeom>
+        </p:spPr>
+      </p:pic>
+    </p:spTree>
+  </p:cSld>
+  <p:clrMapOvr>
+    <a:masterClrMapping/>
+  </p:clrMapOvr>
+</p:sld>
+</file>
+
+<file path=ppt/slides/slide18.xml><?xml version="1.0" encoding="utf-8"?>
+<p:sld xmlns:a="http://schemas.openxmlformats.org/drawingml/2006/main" xmlns:p="http://schemas.openxmlformats.org/presentationml/2006/main" xmlns:r="http://schemas.openxmlformats.org/officeDocument/2006/relationships">
+  <p:cSld>
+    <p:spTree>
+      <p:nvGrpSpPr>
+        <p:cNvPr id="1" name=""/>
+        <p:cNvGrpSpPr/>
+        <p:nvPr/>
+      </p:nvGrpSpPr>
+      <p:grpSpPr/>
+      <p:pic>
+        <p:nvPicPr>
+          <p:cNvPr id="2" name="Picture 1" descr="plot14.png"/>
+          <p:cNvPicPr>
+            <a:picLocks noChangeAspect="1"/>
+          </p:cNvPicPr>
+          <p:nvPr/>
+        </p:nvPicPr>
+        <p:blipFill>
+          <a:blip r:embed="rId2"/>
+          <a:stretch>
+            <a:fillRect/>
+          </a:stretch>
+        </p:blipFill>
+        <p:spPr>
+          <a:xfrm>
+            <a:off x="0" y="91440"/>
+            <a:ext cx="9601200" cy="6400800"/>
+          </a:xfrm>
+          <a:prstGeom prst="rect">
+            <a:avLst/>
+          </a:prstGeom>
+        </p:spPr>
+      </p:pic>
+    </p:spTree>
+  </p:cSld>
+  <p:clrMapOvr>
+    <a:masterClrMapping/>
+  </p:clrMapOvr>
+</p:sld>
+</file>
+
+<file path=ppt/slides/slide19.xml><?xml version="1.0" encoding="utf-8"?>
+<p:sld xmlns:a="http://schemas.openxmlformats.org/drawingml/2006/main" xmlns:p="http://schemas.openxmlformats.org/presentationml/2006/main" xmlns:r="http://schemas.openxmlformats.org/officeDocument/2006/relationships">
+  <p:cSld>
+    <p:spTree>
+      <p:nvGrpSpPr>
+        <p:cNvPr id="1" name=""/>
+        <p:cNvGrpSpPr/>
+        <p:nvPr/>
+      </p:nvGrpSpPr>
+      <p:grpSpPr/>
+      <p:pic>
+        <p:nvPicPr>
+          <p:cNvPr id="2" name="Picture 1" descr="plot15.png"/>
           <p:cNvPicPr>
             <a:picLocks noChangeAspect="1"/>
           </p:cNvPicPr>
@@ -3691,62 +3820,6 @@
         <p:nvPr/>
       </p:nvGrpSpPr>
       <p:grpSpPr/>
-      <p:sp>
-        <p:nvSpPr>
-          <p:cNvPr id="2" name="Title 1"/>
-          <p:cNvSpPr>
-            <a:spLocks noGrp="1"/>
-          </p:cNvSpPr>
-          <p:nvPr>
-            <p:ph type="ctrTitle"/>
-          </p:nvPr>
-        </p:nvSpPr>
-        <p:spPr/>
-        <p:txBody>
-          <a:bodyPr/>
-          <a:lstStyle/>
-          <a:p/>
-        </p:txBody>
-      </p:sp>
-      <p:sp>
-        <p:nvSpPr>
-          <p:cNvPr id="3" name="Subtitle 2"/>
-          <p:cNvSpPr>
-            <a:spLocks noGrp="1"/>
-          </p:cNvSpPr>
-          <p:nvPr>
-            <p:ph type="subTitle" idx="1"/>
-          </p:nvPr>
-        </p:nvSpPr>
-        <p:spPr/>
-        <p:txBody>
-          <a:bodyPr/>
-          <a:lstStyle/>
-          <a:p>
-            <a:r>
-              <a:t>2. Uśredniony miesiąc</a:t>
-            </a:r>
-          </a:p>
-        </p:txBody>
-      </p:sp>
-    </p:spTree>
-  </p:cSld>
-  <p:clrMapOvr>
-    <a:masterClrMapping/>
-  </p:clrMapOvr>
-</p:sld>
-</file>
-
-<file path=ppt/slides/slide8.xml><?xml version="1.0" encoding="utf-8"?>
-<p:sld xmlns:a="http://schemas.openxmlformats.org/drawingml/2006/main" xmlns:p="http://schemas.openxmlformats.org/presentationml/2006/main" xmlns:r="http://schemas.openxmlformats.org/officeDocument/2006/relationships">
-  <p:cSld>
-    <p:spTree>
-      <p:nvGrpSpPr>
-        <p:cNvPr id="1" name=""/>
-        <p:cNvGrpSpPr/>
-        <p:nvPr/>
-      </p:nvGrpSpPr>
-      <p:grpSpPr/>
       <p:pic>
         <p:nvPicPr>
           <p:cNvPr id="2" name="Picture 1" descr="plot5.png"/>
@@ -3771,6 +3844,62 @@
           </a:prstGeom>
         </p:spPr>
       </p:pic>
+    </p:spTree>
+  </p:cSld>
+  <p:clrMapOvr>
+    <a:masterClrMapping/>
+  </p:clrMapOvr>
+</p:sld>
+</file>
+
+<file path=ppt/slides/slide8.xml><?xml version="1.0" encoding="utf-8"?>
+<p:sld xmlns:a="http://schemas.openxmlformats.org/drawingml/2006/main" xmlns:p="http://schemas.openxmlformats.org/presentationml/2006/main" xmlns:r="http://schemas.openxmlformats.org/officeDocument/2006/relationships">
+  <p:cSld>
+    <p:spTree>
+      <p:nvGrpSpPr>
+        <p:cNvPr id="1" name=""/>
+        <p:cNvGrpSpPr/>
+        <p:nvPr/>
+      </p:nvGrpSpPr>
+      <p:grpSpPr/>
+      <p:sp>
+        <p:nvSpPr>
+          <p:cNvPr id="2" name="Title 1"/>
+          <p:cNvSpPr>
+            <a:spLocks noGrp="1"/>
+          </p:cNvSpPr>
+          <p:nvPr>
+            <p:ph type="ctrTitle"/>
+          </p:nvPr>
+        </p:nvSpPr>
+        <p:spPr/>
+        <p:txBody>
+          <a:bodyPr/>
+          <a:lstStyle/>
+          <a:p/>
+        </p:txBody>
+      </p:sp>
+      <p:sp>
+        <p:nvSpPr>
+          <p:cNvPr id="3" name="Subtitle 2"/>
+          <p:cNvSpPr>
+            <a:spLocks noGrp="1"/>
+          </p:cNvSpPr>
+          <p:nvPr>
+            <p:ph type="subTitle" idx="1"/>
+          </p:nvPr>
+        </p:nvSpPr>
+        <p:spPr/>
+        <p:txBody>
+          <a:bodyPr/>
+          <a:lstStyle/>
+          <a:p>
+            <a:r>
+              <a:t>2. Uśredniony miesiąc</a:t>
+            </a:r>
+          </a:p>
+        </p:txBody>
+      </p:sp>
     </p:spTree>
   </p:cSld>
   <p:clrMapOvr>
